--- a/Презентация на защиту.pptx
+++ b/Презентация на защиту.pptx
@@ -11,10 +11,10 @@
     <p:sldId id="256" r:id="rId2"/>
     <p:sldId id="257" r:id="rId3"/>
     <p:sldId id="258" r:id="rId4"/>
-    <p:sldId id="259" r:id="rId5"/>
-    <p:sldId id="260" r:id="rId6"/>
-    <p:sldId id="261" r:id="rId7"/>
-    <p:sldId id="262" r:id="rId8"/>
+    <p:sldId id="260" r:id="rId5"/>
+    <p:sldId id="261" r:id="rId6"/>
+    <p:sldId id="262" r:id="rId7"/>
+    <p:sldId id="276" r:id="rId8"/>
     <p:sldId id="275" r:id="rId9"/>
     <p:sldId id="274" r:id="rId10"/>
     <p:sldId id="263" r:id="rId11"/>
@@ -1467,110 +1467,6 @@
   <p:cSld>
     <p:spTree>
       <p:nvGrpSpPr>
-        <p:cNvPr id="1" name="Shape 87"/>
-        <p:cNvGrpSpPr/>
-        <p:nvPr/>
-      </p:nvGrpSpPr>
-      <p:grpSpPr>
-        <a:xfrm>
-          <a:off x="0" y="0"/>
-          <a:ext cx="0" cy="0"/>
-          <a:chOff x="0" y="0"/>
-          <a:chExt cx="0" cy="0"/>
-        </a:xfrm>
-      </p:grpSpPr>
-      <p:sp>
-        <p:nvSpPr>
-          <p:cNvPr id="88" name="Google Shape;88;gf98075b259_0_0:notes"/>
-          <p:cNvSpPr>
-            <a:spLocks noGrp="1" noRot="1" noChangeAspect="1"/>
-          </p:cNvSpPr>
-          <p:nvPr>
-            <p:ph type="sldImg" idx="2"/>
-          </p:nvPr>
-        </p:nvSpPr>
-        <p:spPr>
-          <a:xfrm>
-            <a:off x="381000" y="685800"/>
-            <a:ext cx="6096000" cy="3429000"/>
-          </a:xfrm>
-          <a:custGeom>
-            <a:avLst/>
-            <a:gdLst/>
-            <a:ahLst/>
-            <a:cxnLst/>
-            <a:rect l="l" t="t" r="r" b="b"/>
-            <a:pathLst>
-              <a:path w="120000" h="120000" extrusionOk="0">
-                <a:moveTo>
-                  <a:pt x="0" y="0"/>
-                </a:moveTo>
-                <a:lnTo>
-                  <a:pt x="120000" y="0"/>
-                </a:lnTo>
-                <a:lnTo>
-                  <a:pt x="120000" y="120000"/>
-                </a:lnTo>
-                <a:lnTo>
-                  <a:pt x="0" y="120000"/>
-                </a:lnTo>
-                <a:close/>
-              </a:path>
-            </a:pathLst>
-          </a:custGeom>
-        </p:spPr>
-      </p:sp>
-      <p:sp>
-        <p:nvSpPr>
-          <p:cNvPr id="89" name="Google Shape;89;gf98075b259_0_0:notes"/>
-          <p:cNvSpPr txBox="1">
-            <a:spLocks noGrp="1"/>
-          </p:cNvSpPr>
-          <p:nvPr>
-            <p:ph type="body" idx="1"/>
-          </p:nvPr>
-        </p:nvSpPr>
-        <p:spPr>
-          <a:xfrm>
-            <a:off x="685800" y="4343400"/>
-            <a:ext cx="5486400" cy="4114800"/>
-          </a:xfrm>
-          <a:prstGeom prst="rect">
-            <a:avLst/>
-          </a:prstGeom>
-        </p:spPr>
-        <p:txBody>
-          <a:bodyPr spcFirstLastPara="1" wrap="square" lIns="91425" tIns="91425" rIns="91425" bIns="91425" anchor="t" anchorCtr="0">
-            <a:noAutofit/>
-          </a:bodyPr>
-          <a:lstStyle/>
-          <a:p>
-            <a:pPr marL="0" lvl="0" indent="0" algn="l" rtl="0">
-              <a:spcBef>
-                <a:spcPts val="0"/>
-              </a:spcBef>
-              <a:spcAft>
-                <a:spcPts val="0"/>
-              </a:spcAft>
-              <a:buNone/>
-            </a:pPr>
-            <a:endParaRPr/>
-          </a:p>
-        </p:txBody>
-      </p:sp>
-    </p:spTree>
-  </p:cSld>
-  <p:clrMapOvr>
-    <a:masterClrMapping/>
-  </p:clrMapOvr>
-</p:notes>
-</file>
-
-<file path=ppt/notesSlides/notesSlide5.xml><?xml version="1.0" encoding="utf-8"?>
-<p:notes xmlns:a="http://schemas.openxmlformats.org/drawingml/2006/main" xmlns:r="http://schemas.openxmlformats.org/officeDocument/2006/relationships" xmlns:p="http://schemas.openxmlformats.org/presentationml/2006/main" showMasterSp="0" showMasterPhAnim="0">
-  <p:cSld>
-    <p:spTree>
-      <p:nvGrpSpPr>
         <p:cNvPr id="1" name="Shape 103"/>
         <p:cNvGrpSpPr/>
         <p:nvPr/>
@@ -1670,7 +1566,7 @@
 </p:notes>
 </file>
 
-<file path=ppt/notesSlides/notesSlide6.xml><?xml version="1.0" encoding="utf-8"?>
+<file path=ppt/notesSlides/notesSlide5.xml><?xml version="1.0" encoding="utf-8"?>
 <p:notes xmlns:a="http://schemas.openxmlformats.org/drawingml/2006/main" xmlns:r="http://schemas.openxmlformats.org/officeDocument/2006/relationships" xmlns:p="http://schemas.openxmlformats.org/presentationml/2006/main" showMasterSp="0" showMasterPhAnim="0">
   <p:cSld>
     <p:spTree>
@@ -1731,6 +1627,110 @@
       <p:sp>
         <p:nvSpPr>
           <p:cNvPr id="112" name="Google Shape;112;gdf29b9fb24_0_61:notes"/>
+          <p:cNvSpPr txBox="1">
+            <a:spLocks noGrp="1"/>
+          </p:cNvSpPr>
+          <p:nvPr>
+            <p:ph type="body" idx="1"/>
+          </p:nvPr>
+        </p:nvSpPr>
+        <p:spPr>
+          <a:xfrm>
+            <a:off x="685800" y="4343400"/>
+            <a:ext cx="5486400" cy="4114800"/>
+          </a:xfrm>
+          <a:prstGeom prst="rect">
+            <a:avLst/>
+          </a:prstGeom>
+        </p:spPr>
+        <p:txBody>
+          <a:bodyPr spcFirstLastPara="1" wrap="square" lIns="91425" tIns="91425" rIns="91425" bIns="91425" anchor="t" anchorCtr="0">
+            <a:noAutofit/>
+          </a:bodyPr>
+          <a:lstStyle/>
+          <a:p>
+            <a:pPr marL="0" lvl="0" indent="0" algn="l" rtl="0">
+              <a:spcBef>
+                <a:spcPts val="0"/>
+              </a:spcBef>
+              <a:spcAft>
+                <a:spcPts val="0"/>
+              </a:spcAft>
+              <a:buNone/>
+            </a:pPr>
+            <a:endParaRPr/>
+          </a:p>
+        </p:txBody>
+      </p:sp>
+    </p:spTree>
+  </p:cSld>
+  <p:clrMapOvr>
+    <a:masterClrMapping/>
+  </p:clrMapOvr>
+</p:notes>
+</file>
+
+<file path=ppt/notesSlides/notesSlide6.xml><?xml version="1.0" encoding="utf-8"?>
+<p:notes xmlns:a="http://schemas.openxmlformats.org/drawingml/2006/main" xmlns:r="http://schemas.openxmlformats.org/officeDocument/2006/relationships" xmlns:p="http://schemas.openxmlformats.org/presentationml/2006/main" showMasterSp="0" showMasterPhAnim="0">
+  <p:cSld>
+    <p:spTree>
+      <p:nvGrpSpPr>
+        <p:cNvPr id="1" name="Shape 117"/>
+        <p:cNvGrpSpPr/>
+        <p:nvPr/>
+      </p:nvGrpSpPr>
+      <p:grpSpPr>
+        <a:xfrm>
+          <a:off x="0" y="0"/>
+          <a:ext cx="0" cy="0"/>
+          <a:chOff x="0" y="0"/>
+          <a:chExt cx="0" cy="0"/>
+        </a:xfrm>
+      </p:grpSpPr>
+      <p:sp>
+        <p:nvSpPr>
+          <p:cNvPr id="118" name="Google Shape;118;gf98075b259_0_38:notes"/>
+          <p:cNvSpPr>
+            <a:spLocks noGrp="1" noRot="1" noChangeAspect="1"/>
+          </p:cNvSpPr>
+          <p:nvPr>
+            <p:ph type="sldImg" idx="2"/>
+          </p:nvPr>
+        </p:nvSpPr>
+        <p:spPr>
+          <a:xfrm>
+            <a:off x="381000" y="685800"/>
+            <a:ext cx="6096000" cy="3429000"/>
+          </a:xfrm>
+          <a:custGeom>
+            <a:avLst/>
+            <a:gdLst/>
+            <a:ahLst/>
+            <a:cxnLst/>
+            <a:rect l="l" t="t" r="r" b="b"/>
+            <a:pathLst>
+              <a:path w="120000" h="120000" extrusionOk="0">
+                <a:moveTo>
+                  <a:pt x="0" y="0"/>
+                </a:moveTo>
+                <a:lnTo>
+                  <a:pt x="120000" y="0"/>
+                </a:lnTo>
+                <a:lnTo>
+                  <a:pt x="120000" y="120000"/>
+                </a:lnTo>
+                <a:lnTo>
+                  <a:pt x="0" y="120000"/>
+                </a:lnTo>
+                <a:close/>
+              </a:path>
+            </a:pathLst>
+          </a:custGeom>
+        </p:spPr>
+      </p:sp>
+      <p:sp>
+        <p:nvSpPr>
+          <p:cNvPr id="119" name="Google Shape;119;gf98075b259_0_38:notes"/>
           <p:cNvSpPr txBox="1">
             <a:spLocks noGrp="1"/>
           </p:cNvSpPr>
@@ -1871,6 +1871,11 @@
         </p:txBody>
       </p:sp>
     </p:spTree>
+    <p:extLst>
+      <p:ext uri="{BB962C8B-B14F-4D97-AF65-F5344CB8AC3E}">
+        <p14:creationId xmlns:p14="http://schemas.microsoft.com/office/powerpoint/2010/main" val="3735132182"/>
+      </p:ext>
+    </p:extLst>
   </p:cSld>
   <p:clrMapOvr>
     <a:masterClrMapping/>
@@ -12911,11 +12916,9 @@
           <p:cNvPicPr preferRelativeResize="0"/>
           <p:nvPr/>
         </p:nvPicPr>
-        <p:blipFill rotWithShape="1">
-          <a:blip r:embed="rId3">
-            <a:alphaModFix/>
-          </a:blip>
-          <a:srcRect l="18452" t="10980" r="28827" b="10980"/>
+        <p:blipFill>
+          <a:blip r:embed="rId3"/>
+          <a:srcRect t="656" b="656"/>
           <a:stretch/>
         </p:blipFill>
         <p:spPr>
@@ -13177,615 +13180,6 @@
 </file>
 
 <file path=ppt/slides/slide4.xml><?xml version="1.0" encoding="utf-8"?>
-<p:sld xmlns:a="http://schemas.openxmlformats.org/drawingml/2006/main" xmlns:r="http://schemas.openxmlformats.org/officeDocument/2006/relationships" xmlns:p="http://schemas.openxmlformats.org/presentationml/2006/main">
-  <p:cSld>
-    <p:spTree>
-      <p:nvGrpSpPr>
-        <p:cNvPr id="1" name="Shape 90"/>
-        <p:cNvGrpSpPr/>
-        <p:nvPr/>
-      </p:nvGrpSpPr>
-      <p:grpSpPr>
-        <a:xfrm>
-          <a:off x="0" y="0"/>
-          <a:ext cx="0" cy="0"/>
-          <a:chOff x="0" y="0"/>
-          <a:chExt cx="0" cy="0"/>
-        </a:xfrm>
-      </p:grpSpPr>
-      <p:sp>
-        <p:nvSpPr>
-          <p:cNvPr id="91" name="Google Shape;91;p19"/>
-          <p:cNvSpPr txBox="1"/>
-          <p:nvPr/>
-        </p:nvSpPr>
-        <p:spPr>
-          <a:xfrm>
-            <a:off x="559075" y="342525"/>
-            <a:ext cx="6518100" cy="574200"/>
-          </a:xfrm>
-          <a:prstGeom prst="rect">
-            <a:avLst/>
-          </a:prstGeom>
-          <a:noFill/>
-          <a:ln>
-            <a:noFill/>
-          </a:ln>
-        </p:spPr>
-        <p:txBody>
-          <a:bodyPr spcFirstLastPara="1" wrap="square" lIns="91425" tIns="91425" rIns="91425" bIns="91425" anchor="t" anchorCtr="0">
-            <a:noAutofit/>
-          </a:bodyPr>
-          <a:lstStyle/>
-          <a:p>
-            <a:pPr marL="0" lvl="0" indent="0" algn="l" rtl="0">
-              <a:spcBef>
-                <a:spcPts val="0"/>
-              </a:spcBef>
-              <a:spcAft>
-                <a:spcPts val="0"/>
-              </a:spcAft>
-              <a:buNone/>
-            </a:pPr>
-            <a:r>
-              <a:rPr lang="ru" sz="3000" b="1">
-                <a:solidFill>
-                  <a:srgbClr val="000000"/>
-                </a:solidFill>
-                <a:latin typeface="Roboto"/>
-                <a:ea typeface="Roboto"/>
-                <a:cs typeface="Roboto"/>
-                <a:sym typeface="Roboto"/>
-              </a:rPr>
-              <a:t>План защиты</a:t>
-            </a:r>
-            <a:endParaRPr sz="3000" b="1">
-              <a:solidFill>
-                <a:srgbClr val="000000"/>
-              </a:solidFill>
-              <a:latin typeface="Roboto"/>
-              <a:ea typeface="Roboto"/>
-              <a:cs typeface="Roboto"/>
-              <a:sym typeface="Roboto"/>
-            </a:endParaRPr>
-          </a:p>
-        </p:txBody>
-      </p:sp>
-      <p:sp>
-        <p:nvSpPr>
-          <p:cNvPr id="92" name="Google Shape;92;p19"/>
-          <p:cNvSpPr/>
-          <p:nvPr/>
-        </p:nvSpPr>
-        <p:spPr>
-          <a:xfrm>
-            <a:off x="696923" y="1099674"/>
-            <a:ext cx="2589300" cy="383700"/>
-          </a:xfrm>
-          <a:prstGeom prst="roundRect">
-            <a:avLst>
-              <a:gd name="adj" fmla="val 16667"/>
-            </a:avLst>
-          </a:prstGeom>
-          <a:solidFill>
-            <a:srgbClr val="8B8EE3"/>
-          </a:solidFill>
-          <a:ln>
-            <a:noFill/>
-          </a:ln>
-        </p:spPr>
-        <p:txBody>
-          <a:bodyPr spcFirstLastPara="1" wrap="square" lIns="270000" tIns="91425" rIns="270000" bIns="91425" anchor="ctr" anchorCtr="0">
-            <a:noAutofit/>
-          </a:bodyPr>
-          <a:lstStyle/>
-          <a:p>
-            <a:pPr marL="0" lvl="0" indent="0" algn="l" rtl="0">
-              <a:spcBef>
-                <a:spcPts val="0"/>
-              </a:spcBef>
-              <a:spcAft>
-                <a:spcPts val="0"/>
-              </a:spcAft>
-              <a:buNone/>
-            </a:pPr>
-            <a:r>
-              <a:rPr lang="ru">
-                <a:solidFill>
-                  <a:srgbClr val="FFFFFF"/>
-                </a:solidFill>
-                <a:latin typeface="Roboto"/>
-                <a:ea typeface="Roboto"/>
-                <a:cs typeface="Roboto"/>
-                <a:sym typeface="Roboto"/>
-              </a:rPr>
-              <a:t>Цели проекта </a:t>
-            </a:r>
-            <a:endParaRPr>
-              <a:solidFill>
-                <a:srgbClr val="FFFFFF"/>
-              </a:solidFill>
-              <a:latin typeface="Roboto"/>
-              <a:ea typeface="Roboto"/>
-              <a:cs typeface="Roboto"/>
-              <a:sym typeface="Roboto"/>
-            </a:endParaRPr>
-          </a:p>
-        </p:txBody>
-      </p:sp>
-      <p:sp>
-        <p:nvSpPr>
-          <p:cNvPr id="93" name="Google Shape;93;p19"/>
-          <p:cNvSpPr/>
-          <p:nvPr/>
-        </p:nvSpPr>
-        <p:spPr>
-          <a:xfrm>
-            <a:off x="696923" y="1729587"/>
-            <a:ext cx="2589300" cy="383700"/>
-          </a:xfrm>
-          <a:prstGeom prst="roundRect">
-            <a:avLst>
-              <a:gd name="adj" fmla="val 16667"/>
-            </a:avLst>
-          </a:prstGeom>
-          <a:solidFill>
-            <a:srgbClr val="8B8EE3"/>
-          </a:solidFill>
-          <a:ln>
-            <a:noFill/>
-          </a:ln>
-        </p:spPr>
-        <p:txBody>
-          <a:bodyPr spcFirstLastPara="1" wrap="square" lIns="270000" tIns="91425" rIns="270000" bIns="91425" anchor="ctr" anchorCtr="0">
-            <a:noAutofit/>
-          </a:bodyPr>
-          <a:lstStyle/>
-          <a:p>
-            <a:pPr marL="0" lvl="0" indent="0" algn="l" rtl="0">
-              <a:spcBef>
-                <a:spcPts val="0"/>
-              </a:spcBef>
-              <a:spcAft>
-                <a:spcPts val="0"/>
-              </a:spcAft>
-              <a:buClr>
-                <a:srgbClr val="000000"/>
-              </a:buClr>
-              <a:buSzPts val="1100"/>
-              <a:buFont typeface="Arial"/>
-              <a:buNone/>
-            </a:pPr>
-            <a:r>
-              <a:rPr lang="ru">
-                <a:solidFill>
-                  <a:srgbClr val="FFFFFF"/>
-                </a:solidFill>
-                <a:latin typeface="Roboto"/>
-                <a:ea typeface="Roboto"/>
-                <a:cs typeface="Roboto"/>
-                <a:sym typeface="Roboto"/>
-              </a:rPr>
-              <a:t>Что планировалось</a:t>
-            </a:r>
-            <a:endParaRPr>
-              <a:solidFill>
-                <a:srgbClr val="FFFFFF"/>
-              </a:solidFill>
-              <a:latin typeface="Roboto"/>
-              <a:ea typeface="Roboto"/>
-              <a:cs typeface="Roboto"/>
-              <a:sym typeface="Roboto"/>
-            </a:endParaRPr>
-          </a:p>
-        </p:txBody>
-      </p:sp>
-      <p:sp>
-        <p:nvSpPr>
-          <p:cNvPr id="94" name="Google Shape;94;p19"/>
-          <p:cNvSpPr/>
-          <p:nvPr/>
-        </p:nvSpPr>
-        <p:spPr>
-          <a:xfrm>
-            <a:off x="696923" y="2369806"/>
-            <a:ext cx="2589300" cy="383700"/>
-          </a:xfrm>
-          <a:prstGeom prst="roundRect">
-            <a:avLst>
-              <a:gd name="adj" fmla="val 16667"/>
-            </a:avLst>
-          </a:prstGeom>
-          <a:solidFill>
-            <a:srgbClr val="8B8EE3"/>
-          </a:solidFill>
-          <a:ln>
-            <a:noFill/>
-          </a:ln>
-        </p:spPr>
-        <p:txBody>
-          <a:bodyPr spcFirstLastPara="1" wrap="square" lIns="270000" tIns="91425" rIns="270000" bIns="91425" anchor="ctr" anchorCtr="0">
-            <a:noAutofit/>
-          </a:bodyPr>
-          <a:lstStyle/>
-          <a:p>
-            <a:pPr marL="0" lvl="0" indent="0" algn="l" rtl="0">
-              <a:spcBef>
-                <a:spcPts val="0"/>
-              </a:spcBef>
-              <a:spcAft>
-                <a:spcPts val="0"/>
-              </a:spcAft>
-              <a:buNone/>
-            </a:pPr>
-            <a:r>
-              <a:rPr lang="ru">
-                <a:solidFill>
-                  <a:srgbClr val="FFFFFF"/>
-                </a:solidFill>
-                <a:latin typeface="Roboto"/>
-                <a:ea typeface="Roboto"/>
-                <a:cs typeface="Roboto"/>
-                <a:sym typeface="Roboto"/>
-              </a:rPr>
-              <a:t>Используемые технологии</a:t>
-            </a:r>
-            <a:endParaRPr>
-              <a:solidFill>
-                <a:srgbClr val="FFFFFF"/>
-              </a:solidFill>
-              <a:latin typeface="Roboto"/>
-              <a:ea typeface="Roboto"/>
-              <a:cs typeface="Roboto"/>
-              <a:sym typeface="Roboto"/>
-            </a:endParaRPr>
-          </a:p>
-        </p:txBody>
-      </p:sp>
-      <p:sp>
-        <p:nvSpPr>
-          <p:cNvPr id="95" name="Google Shape;95;p19"/>
-          <p:cNvSpPr/>
-          <p:nvPr/>
-        </p:nvSpPr>
-        <p:spPr>
-          <a:xfrm>
-            <a:off x="696923" y="3010040"/>
-            <a:ext cx="2589300" cy="383700"/>
-          </a:xfrm>
-          <a:prstGeom prst="roundRect">
-            <a:avLst>
-              <a:gd name="adj" fmla="val 16667"/>
-            </a:avLst>
-          </a:prstGeom>
-          <a:solidFill>
-            <a:srgbClr val="8B8EE3"/>
-          </a:solidFill>
-          <a:ln>
-            <a:noFill/>
-          </a:ln>
-        </p:spPr>
-        <p:txBody>
-          <a:bodyPr spcFirstLastPara="1" wrap="square" lIns="270000" tIns="91425" rIns="270000" bIns="91425" anchor="ctr" anchorCtr="0">
-            <a:noAutofit/>
-          </a:bodyPr>
-          <a:lstStyle/>
-          <a:p>
-            <a:pPr marL="0" lvl="0" indent="0" algn="l" rtl="0">
-              <a:spcBef>
-                <a:spcPts val="0"/>
-              </a:spcBef>
-              <a:spcAft>
-                <a:spcPts val="0"/>
-              </a:spcAft>
-              <a:buNone/>
-            </a:pPr>
-            <a:r>
-              <a:rPr lang="ru">
-                <a:solidFill>
-                  <a:srgbClr val="FFFFFF"/>
-                </a:solidFill>
-                <a:latin typeface="Roboto"/>
-                <a:ea typeface="Roboto"/>
-                <a:cs typeface="Roboto"/>
-                <a:sym typeface="Roboto"/>
-              </a:rPr>
-              <a:t>Что получилось</a:t>
-            </a:r>
-            <a:endParaRPr>
-              <a:solidFill>
-                <a:srgbClr val="FFFFFF"/>
-              </a:solidFill>
-              <a:latin typeface="Roboto"/>
-              <a:ea typeface="Roboto"/>
-              <a:cs typeface="Roboto"/>
-              <a:sym typeface="Roboto"/>
-            </a:endParaRPr>
-          </a:p>
-        </p:txBody>
-      </p:sp>
-      <p:sp>
-        <p:nvSpPr>
-          <p:cNvPr id="96" name="Google Shape;96;p19"/>
-          <p:cNvSpPr/>
-          <p:nvPr/>
-        </p:nvSpPr>
-        <p:spPr>
-          <a:xfrm>
-            <a:off x="696923" y="3608285"/>
-            <a:ext cx="2589300" cy="383700"/>
-          </a:xfrm>
-          <a:prstGeom prst="roundRect">
-            <a:avLst>
-              <a:gd name="adj" fmla="val 16667"/>
-            </a:avLst>
-          </a:prstGeom>
-          <a:solidFill>
-            <a:srgbClr val="8B8EE3"/>
-          </a:solidFill>
-          <a:ln>
-            <a:noFill/>
-          </a:ln>
-        </p:spPr>
-        <p:txBody>
-          <a:bodyPr spcFirstLastPara="1" wrap="square" lIns="270000" tIns="91425" rIns="270000" bIns="91425" anchor="ctr" anchorCtr="0">
-            <a:noAutofit/>
-          </a:bodyPr>
-          <a:lstStyle/>
-          <a:p>
-            <a:pPr marL="0" lvl="0" indent="0" algn="l" rtl="0">
-              <a:spcBef>
-                <a:spcPts val="0"/>
-              </a:spcBef>
-              <a:spcAft>
-                <a:spcPts val="0"/>
-              </a:spcAft>
-              <a:buNone/>
-            </a:pPr>
-            <a:r>
-              <a:rPr lang="ru">
-                <a:solidFill>
-                  <a:srgbClr val="FFFFFF"/>
-                </a:solidFill>
-                <a:latin typeface="Roboto"/>
-                <a:ea typeface="Roboto"/>
-                <a:cs typeface="Roboto"/>
-                <a:sym typeface="Roboto"/>
-              </a:rPr>
-              <a:t>Схемы/архитектура</a:t>
-            </a:r>
-            <a:endParaRPr>
-              <a:solidFill>
-                <a:srgbClr val="FFFFFF"/>
-              </a:solidFill>
-              <a:latin typeface="Roboto"/>
-              <a:ea typeface="Roboto"/>
-              <a:cs typeface="Roboto"/>
-              <a:sym typeface="Roboto"/>
-            </a:endParaRPr>
-          </a:p>
-        </p:txBody>
-      </p:sp>
-      <p:sp>
-        <p:nvSpPr>
-          <p:cNvPr id="97" name="Google Shape;97;p19"/>
-          <p:cNvSpPr/>
-          <p:nvPr/>
-        </p:nvSpPr>
-        <p:spPr>
-          <a:xfrm>
-            <a:off x="696923" y="4206531"/>
-            <a:ext cx="2589300" cy="383700"/>
-          </a:xfrm>
-          <a:prstGeom prst="roundRect">
-            <a:avLst>
-              <a:gd name="adj" fmla="val 16667"/>
-            </a:avLst>
-          </a:prstGeom>
-          <a:solidFill>
-            <a:srgbClr val="8B8EE3"/>
-          </a:solidFill>
-          <a:ln>
-            <a:noFill/>
-          </a:ln>
-        </p:spPr>
-        <p:txBody>
-          <a:bodyPr spcFirstLastPara="1" wrap="square" lIns="270000" tIns="91425" rIns="270000" bIns="91425" anchor="ctr" anchorCtr="0">
-            <a:noAutofit/>
-          </a:bodyPr>
-          <a:lstStyle/>
-          <a:p>
-            <a:pPr marL="0" lvl="0" indent="0" algn="l" rtl="0">
-              <a:spcBef>
-                <a:spcPts val="0"/>
-              </a:spcBef>
-              <a:spcAft>
-                <a:spcPts val="0"/>
-              </a:spcAft>
-              <a:buNone/>
-            </a:pPr>
-            <a:r>
-              <a:rPr lang="ru">
-                <a:solidFill>
-                  <a:srgbClr val="FFFFFF"/>
-                </a:solidFill>
-                <a:latin typeface="Roboto"/>
-                <a:ea typeface="Roboto"/>
-                <a:cs typeface="Roboto"/>
-                <a:sym typeface="Roboto"/>
-              </a:rPr>
-              <a:t>Выводы</a:t>
-            </a:r>
-            <a:endParaRPr>
-              <a:solidFill>
-                <a:srgbClr val="FFFFFF"/>
-              </a:solidFill>
-              <a:latin typeface="Roboto"/>
-              <a:ea typeface="Roboto"/>
-              <a:cs typeface="Roboto"/>
-              <a:sym typeface="Roboto"/>
-            </a:endParaRPr>
-          </a:p>
-        </p:txBody>
-      </p:sp>
-      <p:cxnSp>
-        <p:nvCxnSpPr>
-          <p:cNvPr id="98" name="Google Shape;98;p19"/>
-          <p:cNvCxnSpPr>
-            <a:stCxn id="92" idx="1"/>
-            <a:endCxn id="93" idx="1"/>
-          </p:cNvCxnSpPr>
-          <p:nvPr/>
-        </p:nvCxnSpPr>
-        <p:spPr>
-          <a:xfrm>
-            <a:off x="696923" y="1291524"/>
-            <a:ext cx="600" cy="630000"/>
-          </a:xfrm>
-          <a:prstGeom prst="curvedConnector3">
-            <a:avLst>
-              <a:gd name="adj1" fmla="val -39687500"/>
-            </a:avLst>
-          </a:prstGeom>
-          <a:noFill/>
-          <a:ln w="19050" cap="flat" cmpd="sng">
-            <a:solidFill>
-              <a:srgbClr val="013D85"/>
-            </a:solidFill>
-            <a:prstDash val="dash"/>
-            <a:round/>
-            <a:headEnd type="none" w="med" len="med"/>
-            <a:tailEnd type="none" w="med" len="med"/>
-          </a:ln>
-        </p:spPr>
-      </p:cxnSp>
-      <p:cxnSp>
-        <p:nvCxnSpPr>
-          <p:cNvPr id="99" name="Google Shape;99;p19"/>
-          <p:cNvCxnSpPr>
-            <a:stCxn id="93" idx="1"/>
-            <a:endCxn id="94" idx="1"/>
-          </p:cNvCxnSpPr>
-          <p:nvPr/>
-        </p:nvCxnSpPr>
-        <p:spPr>
-          <a:xfrm>
-            <a:off x="696923" y="1921437"/>
-            <a:ext cx="600" cy="640200"/>
-          </a:xfrm>
-          <a:prstGeom prst="curvedConnector3">
-            <a:avLst>
-              <a:gd name="adj1" fmla="val -39687500"/>
-            </a:avLst>
-          </a:prstGeom>
-          <a:noFill/>
-          <a:ln w="19050" cap="flat" cmpd="sng">
-            <a:solidFill>
-              <a:srgbClr val="013D85"/>
-            </a:solidFill>
-            <a:prstDash val="dash"/>
-            <a:round/>
-            <a:headEnd type="none" w="med" len="med"/>
-            <a:tailEnd type="none" w="med" len="med"/>
-          </a:ln>
-        </p:spPr>
-      </p:cxnSp>
-      <p:cxnSp>
-        <p:nvCxnSpPr>
-          <p:cNvPr id="100" name="Google Shape;100;p19"/>
-          <p:cNvCxnSpPr>
-            <a:stCxn id="94" idx="1"/>
-            <a:endCxn id="95" idx="1"/>
-          </p:cNvCxnSpPr>
-          <p:nvPr/>
-        </p:nvCxnSpPr>
-        <p:spPr>
-          <a:xfrm>
-            <a:off x="696923" y="2561656"/>
-            <a:ext cx="600" cy="640200"/>
-          </a:xfrm>
-          <a:prstGeom prst="curvedConnector3">
-            <a:avLst>
-              <a:gd name="adj1" fmla="val -39687500"/>
-            </a:avLst>
-          </a:prstGeom>
-          <a:noFill/>
-          <a:ln w="19050" cap="flat" cmpd="sng">
-            <a:solidFill>
-              <a:srgbClr val="013D85"/>
-            </a:solidFill>
-            <a:prstDash val="dash"/>
-            <a:round/>
-            <a:headEnd type="none" w="med" len="med"/>
-            <a:tailEnd type="none" w="med" len="med"/>
-          </a:ln>
-        </p:spPr>
-      </p:cxnSp>
-      <p:cxnSp>
-        <p:nvCxnSpPr>
-          <p:cNvPr id="101" name="Google Shape;101;p19"/>
-          <p:cNvCxnSpPr/>
-          <p:nvPr/>
-        </p:nvCxnSpPr>
-        <p:spPr>
-          <a:xfrm>
-            <a:off x="696923" y="3232828"/>
-            <a:ext cx="600" cy="640200"/>
-          </a:xfrm>
-          <a:prstGeom prst="curvedConnector3">
-            <a:avLst>
-              <a:gd name="adj1" fmla="val -39687500"/>
-            </a:avLst>
-          </a:prstGeom>
-          <a:noFill/>
-          <a:ln w="19050" cap="flat" cmpd="sng">
-            <a:solidFill>
-              <a:srgbClr val="013D85"/>
-            </a:solidFill>
-            <a:prstDash val="dash"/>
-            <a:round/>
-            <a:headEnd type="none" w="med" len="med"/>
-            <a:tailEnd type="none" w="med" len="med"/>
-          </a:ln>
-        </p:spPr>
-      </p:cxnSp>
-      <p:cxnSp>
-        <p:nvCxnSpPr>
-          <p:cNvPr id="102" name="Google Shape;102;p19"/>
-          <p:cNvCxnSpPr/>
-          <p:nvPr/>
-        </p:nvCxnSpPr>
-        <p:spPr>
-          <a:xfrm>
-            <a:off x="696923" y="3903996"/>
-            <a:ext cx="600" cy="640200"/>
-          </a:xfrm>
-          <a:prstGeom prst="curvedConnector3">
-            <a:avLst>
-              <a:gd name="adj1" fmla="val -39687500"/>
-            </a:avLst>
-          </a:prstGeom>
-          <a:noFill/>
-          <a:ln w="19050" cap="flat" cmpd="sng">
-            <a:solidFill>
-              <a:srgbClr val="013D85"/>
-            </a:solidFill>
-            <a:prstDash val="dash"/>
-            <a:round/>
-            <a:headEnd type="none" w="med" len="med"/>
-            <a:tailEnd type="none" w="med" len="med"/>
-          </a:ln>
-        </p:spPr>
-      </p:cxnSp>
-    </p:spTree>
-  </p:cSld>
-  <p:clrMapOvr>
-    <a:masterClrMapping/>
-  </p:clrMapOvr>
-</p:sld>
-</file>
-
-<file path=ppt/slides/slide5.xml><?xml version="1.0" encoding="utf-8"?>
 <p:sld xmlns:a="http://schemas.openxmlformats.org/drawingml/2006/main" xmlns:r="http://schemas.openxmlformats.org/officeDocument/2006/relationships" xmlns:p="http://schemas.openxmlformats.org/presentationml/2006/main">
   <p:cSld>
     <p:spTree>
@@ -14396,7 +13790,7 @@
 </p:sld>
 </file>
 
-<file path=ppt/slides/slide6.xml><?xml version="1.0" encoding="utf-8"?>
+<file path=ppt/slides/slide5.xml><?xml version="1.0" encoding="utf-8"?>
 <p:sld xmlns:a="http://schemas.openxmlformats.org/drawingml/2006/main" xmlns:r="http://schemas.openxmlformats.org/officeDocument/2006/relationships" xmlns:p="http://schemas.openxmlformats.org/presentationml/2006/main">
   <p:cSld>
     <p:spTree>
@@ -15167,7 +14561,7 @@
 </p:sld>
 </file>
 
-<file path=ppt/slides/slide7.xml><?xml version="1.0" encoding="utf-8"?>
+<file path=ppt/slides/slide6.xml><?xml version="1.0" encoding="utf-8"?>
 <p:sld xmlns:a="http://schemas.openxmlformats.org/drawingml/2006/main" xmlns:r="http://schemas.openxmlformats.org/officeDocument/2006/relationships" xmlns:p="http://schemas.openxmlformats.org/presentationml/2006/main">
   <p:cSld>
     <p:spTree>
@@ -15823,6 +15217,957 @@
         </a:graphic>
       </p:graphicFrame>
     </p:spTree>
+  </p:cSld>
+  <p:clrMapOvr>
+    <a:masterClrMapping/>
+  </p:clrMapOvr>
+</p:sld>
+</file>
+
+<file path=ppt/slides/slide7.xml><?xml version="1.0" encoding="utf-8"?>
+<p:sld xmlns:a="http://schemas.openxmlformats.org/drawingml/2006/main" xmlns:r="http://schemas.openxmlformats.org/officeDocument/2006/relationships" xmlns:p="http://schemas.openxmlformats.org/presentationml/2006/main">
+  <p:cSld>
+    <p:spTree>
+      <p:nvGrpSpPr>
+        <p:cNvPr id="1" name="Shape 120"/>
+        <p:cNvGrpSpPr/>
+        <p:nvPr/>
+      </p:nvGrpSpPr>
+      <p:grpSpPr>
+        <a:xfrm>
+          <a:off x="0" y="0"/>
+          <a:ext cx="0" cy="0"/>
+          <a:chOff x="0" y="0"/>
+          <a:chExt cx="0" cy="0"/>
+        </a:xfrm>
+      </p:grpSpPr>
+      <p:sp>
+        <p:nvSpPr>
+          <p:cNvPr id="121" name="Google Shape;121;p22"/>
+          <p:cNvSpPr txBox="1">
+            <a:spLocks noGrp="1"/>
+          </p:cNvSpPr>
+          <p:nvPr>
+            <p:ph type="title"/>
+          </p:nvPr>
+        </p:nvSpPr>
+        <p:spPr>
+          <a:xfrm>
+            <a:off x="500550" y="330724"/>
+            <a:ext cx="8520600" cy="1095900"/>
+          </a:xfrm>
+          <a:prstGeom prst="rect">
+            <a:avLst/>
+          </a:prstGeom>
+        </p:spPr>
+        <p:txBody>
+          <a:bodyPr spcFirstLastPara="1" wrap="square" lIns="91425" tIns="91425" rIns="91425" bIns="91425" anchor="t" anchorCtr="0">
+            <a:noAutofit/>
+          </a:bodyPr>
+          <a:lstStyle/>
+          <a:p>
+            <a:pPr marL="0" lvl="0" indent="0" algn="l" rtl="0">
+              <a:spcBef>
+                <a:spcPts val="0"/>
+              </a:spcBef>
+              <a:spcAft>
+                <a:spcPts val="0"/>
+              </a:spcAft>
+              <a:buNone/>
+            </a:pPr>
+            <a:r>
+              <a:rPr lang="ru" sz="3000" dirty="0"/>
+              <a:t>Используемые паттерны</a:t>
+            </a:r>
+            <a:endParaRPr sz="3000" dirty="0"/>
+          </a:p>
+          <a:p>
+            <a:pPr marL="0" lvl="0" indent="0" algn="l" rtl="0">
+              <a:spcBef>
+                <a:spcPts val="0"/>
+              </a:spcBef>
+              <a:spcAft>
+                <a:spcPts val="0"/>
+              </a:spcAft>
+              <a:buNone/>
+            </a:pPr>
+            <a:endParaRPr sz="3000" dirty="0"/>
+          </a:p>
+        </p:txBody>
+      </p:sp>
+      <p:graphicFrame>
+        <p:nvGraphicFramePr>
+          <p:cNvPr id="122" name="Google Shape;122;p22"/>
+          <p:cNvGraphicFramePr/>
+          <p:nvPr>
+            <p:extLst>
+              <p:ext uri="{D42A27DB-BD31-4B8C-83A1-F6EECF244321}">
+                <p14:modId xmlns:p14="http://schemas.microsoft.com/office/powerpoint/2010/main" val="3013059051"/>
+              </p:ext>
+            </p:extLst>
+          </p:nvPr>
+        </p:nvGraphicFramePr>
+        <p:xfrm>
+          <a:off x="952500" y="1544194"/>
+          <a:ext cx="7239000" cy="1746520"/>
+        </p:xfrm>
+        <a:graphic>
+          <a:graphicData uri="http://schemas.openxmlformats.org/drawingml/2006/table">
+            <a:tbl>
+              <a:tblPr>
+                <a:noFill/>
+                <a:tableStyleId>{E97B9CBD-EF08-4D35-817A-E15F50D1BEF1}</a:tableStyleId>
+              </a:tblPr>
+              <a:tblGrid>
+                <a:gridCol w="489425">
+                  <a:extLst>
+                    <a:ext uri="{9D8B030D-6E8A-4147-A177-3AD203B41FA5}">
+                      <a16:colId xmlns:a16="http://schemas.microsoft.com/office/drawing/2014/main" val="20000"/>
+                    </a:ext>
+                  </a:extLst>
+                </a:gridCol>
+                <a:gridCol w="6749575">
+                  <a:extLst>
+                    <a:ext uri="{9D8B030D-6E8A-4147-A177-3AD203B41FA5}">
+                      <a16:colId xmlns:a16="http://schemas.microsoft.com/office/drawing/2014/main" val="20001"/>
+                    </a:ext>
+                  </a:extLst>
+                </a:gridCol>
+              </a:tblGrid>
+              <a:tr h="285750">
+                <a:tc>
+                  <a:txBody>
+                    <a:bodyPr/>
+                    <a:lstStyle/>
+                    <a:p>
+                      <a:pPr marL="0" lvl="0" indent="0" algn="l" rtl="0">
+                        <a:spcBef>
+                          <a:spcPts val="0"/>
+                        </a:spcBef>
+                        <a:spcAft>
+                          <a:spcPts val="0"/>
+                        </a:spcAft>
+                        <a:buNone/>
+                      </a:pPr>
+                      <a:r>
+                        <a:rPr lang="ru" sz="1300" b="1">
+                          <a:solidFill>
+                            <a:srgbClr val="013D85"/>
+                          </a:solidFill>
+                          <a:latin typeface="Roboto"/>
+                          <a:ea typeface="Roboto"/>
+                          <a:cs typeface="Roboto"/>
+                          <a:sym typeface="Roboto"/>
+                        </a:rPr>
+                        <a:t>1.</a:t>
+                      </a:r>
+                      <a:endParaRPr sz="1300" b="1">
+                        <a:solidFill>
+                          <a:srgbClr val="013D85"/>
+                        </a:solidFill>
+                        <a:latin typeface="Roboto"/>
+                        <a:ea typeface="Roboto"/>
+                        <a:cs typeface="Roboto"/>
+                        <a:sym typeface="Roboto"/>
+                      </a:endParaRPr>
+                    </a:p>
+                  </a:txBody>
+                  <a:tcPr marL="198000" marR="91425" marT="68575" marB="68575">
+                    <a:lnL w="9525" cap="flat" cmpd="sng">
+                      <a:solidFill>
+                        <a:srgbClr val="BFC1F0">
+                          <a:alpha val="0"/>
+                        </a:srgbClr>
+                      </a:solidFill>
+                      <a:prstDash val="solid"/>
+                      <a:round/>
+                      <a:headEnd type="none" w="sm" len="sm"/>
+                      <a:tailEnd type="none" w="sm" len="sm"/>
+                    </a:lnL>
+                    <a:lnR w="9525" cap="flat" cmpd="sng">
+                      <a:solidFill>
+                        <a:schemeClr val="lt1">
+                          <a:alpha val="0"/>
+                        </a:schemeClr>
+                      </a:solidFill>
+                      <a:prstDash val="solid"/>
+                      <a:round/>
+                      <a:headEnd type="none" w="sm" len="sm"/>
+                      <a:tailEnd type="none" w="sm" len="sm"/>
+                    </a:lnR>
+                    <a:lnT w="9525" cap="flat" cmpd="sng">
+                      <a:solidFill>
+                        <a:srgbClr val="BFC1F0">
+                          <a:alpha val="0"/>
+                        </a:srgbClr>
+                      </a:solidFill>
+                      <a:prstDash val="solid"/>
+                      <a:round/>
+                      <a:headEnd type="none" w="sm" len="sm"/>
+                      <a:tailEnd type="none" w="sm" len="sm"/>
+                    </a:lnT>
+                    <a:lnB w="9525" cap="flat" cmpd="sng">
+                      <a:solidFill>
+                        <a:srgbClr val="BFC1F0"/>
+                      </a:solidFill>
+                      <a:prstDash val="solid"/>
+                      <a:round/>
+                      <a:headEnd type="none" w="sm" len="sm"/>
+                      <a:tailEnd type="none" w="sm" len="sm"/>
+                    </a:lnB>
+                  </a:tcPr>
+                </a:tc>
+                <a:tc>
+                  <a:txBody>
+                    <a:bodyPr/>
+                    <a:lstStyle/>
+                    <a:p>
+                      <a:pPr marL="0" lvl="0" indent="0" algn="l" rtl="0">
+                        <a:lnSpc>
+                          <a:spcPct val="115000"/>
+                        </a:lnSpc>
+                        <a:spcBef>
+                          <a:spcPts val="0"/>
+                        </a:spcBef>
+                        <a:spcAft>
+                          <a:spcPts val="0"/>
+                        </a:spcAft>
+                        <a:buNone/>
+                      </a:pPr>
+                      <a:r>
+                        <a:rPr lang="ru-RU" sz="1300" dirty="0">
+                          <a:latin typeface="Roboto"/>
+                          <a:ea typeface="Roboto"/>
+                          <a:cs typeface="Roboto"/>
+                          <a:sym typeface="Roboto"/>
+                        </a:rPr>
+                        <a:t>Паттерн посетитель</a:t>
+                      </a:r>
+                      <a:endParaRPr sz="1300" dirty="0">
+                        <a:latin typeface="Roboto"/>
+                        <a:ea typeface="Roboto"/>
+                        <a:cs typeface="Roboto"/>
+                        <a:sym typeface="Roboto"/>
+                      </a:endParaRPr>
+                    </a:p>
+                  </a:txBody>
+                  <a:tcPr marL="198000" marR="91425" marT="68575" marB="68575">
+                    <a:lnL w="9525" cap="flat" cmpd="sng">
+                      <a:solidFill>
+                        <a:schemeClr val="lt1">
+                          <a:alpha val="0"/>
+                        </a:schemeClr>
+                      </a:solidFill>
+                      <a:prstDash val="solid"/>
+                      <a:round/>
+                      <a:headEnd type="none" w="sm" len="sm"/>
+                      <a:tailEnd type="none" w="sm" len="sm"/>
+                    </a:lnL>
+                    <a:lnR w="9525" cap="flat" cmpd="sng">
+                      <a:solidFill>
+                        <a:srgbClr val="BFC1F0">
+                          <a:alpha val="0"/>
+                        </a:srgbClr>
+                      </a:solidFill>
+                      <a:prstDash val="solid"/>
+                      <a:round/>
+                      <a:headEnd type="none" w="sm" len="sm"/>
+                      <a:tailEnd type="none" w="sm" len="sm"/>
+                    </a:lnR>
+                    <a:lnT w="9525" cap="flat" cmpd="sng">
+                      <a:solidFill>
+                        <a:srgbClr val="BFC1F0">
+                          <a:alpha val="0"/>
+                        </a:srgbClr>
+                      </a:solidFill>
+                      <a:prstDash val="solid"/>
+                      <a:round/>
+                      <a:headEnd type="none" w="sm" len="sm"/>
+                      <a:tailEnd type="none" w="sm" len="sm"/>
+                    </a:lnT>
+                    <a:lnB w="9525" cap="flat" cmpd="sng">
+                      <a:solidFill>
+                        <a:srgbClr val="BFC1F0"/>
+                      </a:solidFill>
+                      <a:prstDash val="solid"/>
+                      <a:round/>
+                      <a:headEnd type="none" w="sm" len="sm"/>
+                      <a:tailEnd type="none" w="sm" len="sm"/>
+                    </a:lnB>
+                  </a:tcPr>
+                </a:tc>
+                <a:extLst>
+                  <a:ext uri="{0D108BD9-81ED-4DB2-BD59-A6C34878D82A}">
+                    <a16:rowId xmlns:a16="http://schemas.microsoft.com/office/drawing/2014/main" val="10000"/>
+                  </a:ext>
+                </a:extLst>
+              </a:tr>
+              <a:tr h="285750">
+                <a:tc>
+                  <a:txBody>
+                    <a:bodyPr/>
+                    <a:lstStyle/>
+                    <a:p>
+                      <a:pPr marL="0" lvl="0" indent="0" algn="l" rtl="0">
+                        <a:spcBef>
+                          <a:spcPts val="0"/>
+                        </a:spcBef>
+                        <a:spcAft>
+                          <a:spcPts val="0"/>
+                        </a:spcAft>
+                        <a:buNone/>
+                      </a:pPr>
+                      <a:r>
+                        <a:rPr lang="ru" sz="1300" b="1">
+                          <a:solidFill>
+                            <a:srgbClr val="013D85"/>
+                          </a:solidFill>
+                          <a:latin typeface="Roboto"/>
+                          <a:ea typeface="Roboto"/>
+                          <a:cs typeface="Roboto"/>
+                          <a:sym typeface="Roboto"/>
+                        </a:rPr>
+                        <a:t>2.</a:t>
+                      </a:r>
+                      <a:endParaRPr sz="1300" b="1">
+                        <a:solidFill>
+                          <a:srgbClr val="013D85"/>
+                        </a:solidFill>
+                        <a:latin typeface="Roboto"/>
+                        <a:ea typeface="Roboto"/>
+                        <a:cs typeface="Roboto"/>
+                        <a:sym typeface="Roboto"/>
+                      </a:endParaRPr>
+                    </a:p>
+                  </a:txBody>
+                  <a:tcPr marL="198000" marR="91425" marT="68575" marB="68575">
+                    <a:lnL w="9525" cap="flat" cmpd="sng">
+                      <a:solidFill>
+                        <a:srgbClr val="BFC1F0">
+                          <a:alpha val="0"/>
+                        </a:srgbClr>
+                      </a:solidFill>
+                      <a:prstDash val="solid"/>
+                      <a:round/>
+                      <a:headEnd type="none" w="sm" len="sm"/>
+                      <a:tailEnd type="none" w="sm" len="sm"/>
+                    </a:lnL>
+                    <a:lnR w="9525" cap="flat" cmpd="sng">
+                      <a:solidFill>
+                        <a:schemeClr val="lt1">
+                          <a:alpha val="0"/>
+                        </a:schemeClr>
+                      </a:solidFill>
+                      <a:prstDash val="solid"/>
+                      <a:round/>
+                      <a:headEnd type="none" w="sm" len="sm"/>
+                      <a:tailEnd type="none" w="sm" len="sm"/>
+                    </a:lnR>
+                    <a:lnT w="9525" cap="flat" cmpd="sng">
+                      <a:solidFill>
+                        <a:srgbClr val="BFC1F0"/>
+                      </a:solidFill>
+                      <a:prstDash val="solid"/>
+                      <a:round/>
+                      <a:headEnd type="none" w="sm" len="sm"/>
+                      <a:tailEnd type="none" w="sm" len="sm"/>
+                    </a:lnT>
+                    <a:lnB w="9525" cap="flat" cmpd="sng">
+                      <a:solidFill>
+                        <a:srgbClr val="BFC1F0"/>
+                      </a:solidFill>
+                      <a:prstDash val="solid"/>
+                      <a:round/>
+                      <a:headEnd type="none" w="sm" len="sm"/>
+                      <a:tailEnd type="none" w="sm" len="sm"/>
+                    </a:lnB>
+                  </a:tcPr>
+                </a:tc>
+                <a:tc>
+                  <a:txBody>
+                    <a:bodyPr/>
+                    <a:lstStyle/>
+                    <a:p>
+                      <a:pPr marL="0" lvl="0" indent="0" algn="l" rtl="0">
+                        <a:lnSpc>
+                          <a:spcPct val="115000"/>
+                        </a:lnSpc>
+                        <a:spcBef>
+                          <a:spcPts val="0"/>
+                        </a:spcBef>
+                        <a:spcAft>
+                          <a:spcPts val="0"/>
+                        </a:spcAft>
+                        <a:buNone/>
+                      </a:pPr>
+                      <a:r>
+                        <a:rPr lang="ru-RU" sz="1300" dirty="0">
+                          <a:latin typeface="Roboto"/>
+                          <a:ea typeface="Roboto"/>
+                          <a:cs typeface="Roboto"/>
+                          <a:sym typeface="Roboto"/>
+                        </a:rPr>
+                        <a:t>Работа с очередями</a:t>
+                      </a:r>
+                      <a:endParaRPr sz="1300" dirty="0">
+                        <a:latin typeface="Roboto"/>
+                        <a:ea typeface="Roboto"/>
+                        <a:cs typeface="Roboto"/>
+                        <a:sym typeface="Roboto"/>
+                      </a:endParaRPr>
+                    </a:p>
+                  </a:txBody>
+                  <a:tcPr marL="198000" marR="91425" marT="68575" marB="68575">
+                    <a:lnL w="9525" cap="flat" cmpd="sng">
+                      <a:solidFill>
+                        <a:schemeClr val="lt1">
+                          <a:alpha val="0"/>
+                        </a:schemeClr>
+                      </a:solidFill>
+                      <a:prstDash val="solid"/>
+                      <a:round/>
+                      <a:headEnd type="none" w="sm" len="sm"/>
+                      <a:tailEnd type="none" w="sm" len="sm"/>
+                    </a:lnL>
+                    <a:lnR w="9525" cap="flat" cmpd="sng">
+                      <a:solidFill>
+                        <a:srgbClr val="BFC1F0">
+                          <a:alpha val="0"/>
+                        </a:srgbClr>
+                      </a:solidFill>
+                      <a:prstDash val="solid"/>
+                      <a:round/>
+                      <a:headEnd type="none" w="sm" len="sm"/>
+                      <a:tailEnd type="none" w="sm" len="sm"/>
+                    </a:lnR>
+                    <a:lnT w="9525" cap="flat" cmpd="sng">
+                      <a:solidFill>
+                        <a:srgbClr val="BFC1F0"/>
+                      </a:solidFill>
+                      <a:prstDash val="solid"/>
+                      <a:round/>
+                      <a:headEnd type="none" w="sm" len="sm"/>
+                      <a:tailEnd type="none" w="sm" len="sm"/>
+                    </a:lnT>
+                    <a:lnB w="9525" cap="flat" cmpd="sng">
+                      <a:solidFill>
+                        <a:srgbClr val="BFC1F0"/>
+                      </a:solidFill>
+                      <a:prstDash val="solid"/>
+                      <a:round/>
+                      <a:headEnd type="none" w="sm" len="sm"/>
+                      <a:tailEnd type="none" w="sm" len="sm"/>
+                    </a:lnB>
+                  </a:tcPr>
+                </a:tc>
+                <a:extLst>
+                  <a:ext uri="{0D108BD9-81ED-4DB2-BD59-A6C34878D82A}">
+                    <a16:rowId xmlns:a16="http://schemas.microsoft.com/office/drawing/2014/main" val="10001"/>
+                  </a:ext>
+                </a:extLst>
+              </a:tr>
+              <a:tr h="285750">
+                <a:tc>
+                  <a:txBody>
+                    <a:bodyPr/>
+                    <a:lstStyle/>
+                    <a:p>
+                      <a:pPr marL="0" lvl="0" indent="0" algn="l" rtl="0">
+                        <a:spcBef>
+                          <a:spcPts val="0"/>
+                        </a:spcBef>
+                        <a:spcAft>
+                          <a:spcPts val="0"/>
+                        </a:spcAft>
+                        <a:buNone/>
+                      </a:pPr>
+                      <a:r>
+                        <a:rPr lang="ru" sz="1300" b="1">
+                          <a:solidFill>
+                            <a:srgbClr val="013D85"/>
+                          </a:solidFill>
+                          <a:latin typeface="Roboto"/>
+                          <a:ea typeface="Roboto"/>
+                          <a:cs typeface="Roboto"/>
+                          <a:sym typeface="Roboto"/>
+                        </a:rPr>
+                        <a:t>3.</a:t>
+                      </a:r>
+                      <a:endParaRPr sz="1300" b="1">
+                        <a:solidFill>
+                          <a:srgbClr val="013D85"/>
+                        </a:solidFill>
+                        <a:latin typeface="Roboto"/>
+                        <a:ea typeface="Roboto"/>
+                        <a:cs typeface="Roboto"/>
+                        <a:sym typeface="Roboto"/>
+                      </a:endParaRPr>
+                    </a:p>
+                  </a:txBody>
+                  <a:tcPr marL="198000" marR="91425" marT="68575" marB="68575">
+                    <a:lnL w="9525" cap="flat" cmpd="sng">
+                      <a:solidFill>
+                        <a:srgbClr val="BFC1F0">
+                          <a:alpha val="0"/>
+                        </a:srgbClr>
+                      </a:solidFill>
+                      <a:prstDash val="solid"/>
+                      <a:round/>
+                      <a:headEnd type="none" w="sm" len="sm"/>
+                      <a:tailEnd type="none" w="sm" len="sm"/>
+                    </a:lnL>
+                    <a:lnR w="9525" cap="flat" cmpd="sng">
+                      <a:solidFill>
+                        <a:schemeClr val="lt1">
+                          <a:alpha val="0"/>
+                        </a:schemeClr>
+                      </a:solidFill>
+                      <a:prstDash val="solid"/>
+                      <a:round/>
+                      <a:headEnd type="none" w="sm" len="sm"/>
+                      <a:tailEnd type="none" w="sm" len="sm"/>
+                    </a:lnR>
+                    <a:lnT w="9525" cap="flat" cmpd="sng">
+                      <a:solidFill>
+                        <a:srgbClr val="BFC1F0"/>
+                      </a:solidFill>
+                      <a:prstDash val="solid"/>
+                      <a:round/>
+                      <a:headEnd type="none" w="sm" len="sm"/>
+                      <a:tailEnd type="none" w="sm" len="sm"/>
+                    </a:lnT>
+                    <a:lnB w="9525" cap="flat" cmpd="sng" algn="ctr">
+                      <a:solidFill>
+                        <a:srgbClr val="BFC1F0"/>
+                      </a:solidFill>
+                      <a:prstDash val="solid"/>
+                      <a:round/>
+                      <a:headEnd type="none" w="sm" len="sm"/>
+                      <a:tailEnd type="none" w="sm" len="sm"/>
+                    </a:lnB>
+                  </a:tcPr>
+                </a:tc>
+                <a:tc>
+                  <a:txBody>
+                    <a:bodyPr/>
+                    <a:lstStyle/>
+                    <a:p>
+                      <a:pPr marL="0" lvl="0" indent="0" algn="l" rtl="0">
+                        <a:lnSpc>
+                          <a:spcPct val="115000"/>
+                        </a:lnSpc>
+                        <a:spcBef>
+                          <a:spcPts val="0"/>
+                        </a:spcBef>
+                        <a:spcAft>
+                          <a:spcPts val="0"/>
+                        </a:spcAft>
+                        <a:buNone/>
+                      </a:pPr>
+                      <a:r>
+                        <a:rPr lang="ru-RU" sz="1300" dirty="0">
+                          <a:latin typeface="Roboto"/>
+                          <a:ea typeface="Roboto"/>
+                          <a:cs typeface="Roboto"/>
+                          <a:sym typeface="Roboto"/>
+                        </a:rPr>
+                        <a:t>Расширяемая фабрика</a:t>
+                      </a:r>
+                      <a:endParaRPr sz="1300" dirty="0">
+                        <a:latin typeface="Roboto"/>
+                        <a:ea typeface="Roboto"/>
+                        <a:cs typeface="Roboto"/>
+                        <a:sym typeface="Roboto"/>
+                      </a:endParaRPr>
+                    </a:p>
+                  </a:txBody>
+                  <a:tcPr marL="198000" marR="91425" marT="68575" marB="68575">
+                    <a:lnL w="9525" cap="flat" cmpd="sng">
+                      <a:solidFill>
+                        <a:schemeClr val="lt1">
+                          <a:alpha val="0"/>
+                        </a:schemeClr>
+                      </a:solidFill>
+                      <a:prstDash val="solid"/>
+                      <a:round/>
+                      <a:headEnd type="none" w="sm" len="sm"/>
+                      <a:tailEnd type="none" w="sm" len="sm"/>
+                    </a:lnL>
+                    <a:lnR w="9525" cap="flat" cmpd="sng">
+                      <a:solidFill>
+                        <a:srgbClr val="BFC1F0">
+                          <a:alpha val="0"/>
+                        </a:srgbClr>
+                      </a:solidFill>
+                      <a:prstDash val="solid"/>
+                      <a:round/>
+                      <a:headEnd type="none" w="sm" len="sm"/>
+                      <a:tailEnd type="none" w="sm" len="sm"/>
+                    </a:lnR>
+                    <a:lnT w="9525" cap="flat" cmpd="sng">
+                      <a:solidFill>
+                        <a:srgbClr val="BFC1F0"/>
+                      </a:solidFill>
+                      <a:prstDash val="solid"/>
+                      <a:round/>
+                      <a:headEnd type="none" w="sm" len="sm"/>
+                      <a:tailEnd type="none" w="sm" len="sm"/>
+                    </a:lnT>
+                    <a:lnB w="9525" cap="flat" cmpd="sng" algn="ctr">
+                      <a:solidFill>
+                        <a:srgbClr val="BFC1F0"/>
+                      </a:solidFill>
+                      <a:prstDash val="solid"/>
+                      <a:round/>
+                      <a:headEnd type="none" w="sm" len="sm"/>
+                      <a:tailEnd type="none" w="sm" len="sm"/>
+                    </a:lnB>
+                  </a:tcPr>
+                </a:tc>
+                <a:extLst>
+                  <a:ext uri="{0D108BD9-81ED-4DB2-BD59-A6C34878D82A}">
+                    <a16:rowId xmlns:a16="http://schemas.microsoft.com/office/drawing/2014/main" val="10002"/>
+                  </a:ext>
+                </a:extLst>
+              </a:tr>
+              <a:tr h="285750">
+                <a:tc>
+                  <a:txBody>
+                    <a:bodyPr/>
+                    <a:lstStyle/>
+                    <a:p>
+                      <a:pPr marL="0" lvl="0" indent="0" algn="l" rtl="0">
+                        <a:spcBef>
+                          <a:spcPts val="0"/>
+                        </a:spcBef>
+                        <a:spcAft>
+                          <a:spcPts val="0"/>
+                        </a:spcAft>
+                        <a:buNone/>
+                      </a:pPr>
+                      <a:r>
+                        <a:rPr lang="ru-RU" sz="1300" b="1" dirty="0">
+                          <a:solidFill>
+                            <a:srgbClr val="013D85"/>
+                          </a:solidFill>
+                          <a:latin typeface="Roboto"/>
+                          <a:ea typeface="Roboto"/>
+                          <a:cs typeface="Roboto"/>
+                          <a:sym typeface="Roboto"/>
+                        </a:rPr>
+                        <a:t>4. </a:t>
+                      </a:r>
+                      <a:endParaRPr sz="1300" b="1" dirty="0">
+                        <a:solidFill>
+                          <a:srgbClr val="013D85"/>
+                        </a:solidFill>
+                        <a:latin typeface="Roboto"/>
+                        <a:ea typeface="Roboto"/>
+                        <a:cs typeface="Roboto"/>
+                        <a:sym typeface="Roboto"/>
+                      </a:endParaRPr>
+                    </a:p>
+                  </a:txBody>
+                  <a:tcPr marL="198000" marR="91425" marT="68575" marB="68575">
+                    <a:lnL w="9525" cap="flat" cmpd="sng">
+                      <a:solidFill>
+                        <a:srgbClr val="BFC1F0">
+                          <a:alpha val="0"/>
+                        </a:srgbClr>
+                      </a:solidFill>
+                      <a:prstDash val="solid"/>
+                      <a:round/>
+                      <a:headEnd type="none" w="sm" len="sm"/>
+                      <a:tailEnd type="none" w="sm" len="sm"/>
+                    </a:lnL>
+                    <a:lnR w="9525" cap="flat" cmpd="sng" algn="ctr">
+                      <a:solidFill>
+                        <a:schemeClr val="lt1">
+                          <a:alpha val="0"/>
+                        </a:schemeClr>
+                      </a:solidFill>
+                      <a:prstDash val="solid"/>
+                      <a:round/>
+                      <a:headEnd type="none" w="sm" len="sm"/>
+                      <a:tailEnd type="none" w="sm" len="sm"/>
+                    </a:lnR>
+                    <a:lnT w="9525" cap="flat" cmpd="sng">
+                      <a:solidFill>
+                        <a:srgbClr val="BFC1F0"/>
+                      </a:solidFill>
+                      <a:prstDash val="solid"/>
+                      <a:round/>
+                      <a:headEnd type="none" w="sm" len="sm"/>
+                      <a:tailEnd type="none" w="sm" len="sm"/>
+                    </a:lnT>
+                    <a:lnB w="9525" cap="flat" cmpd="sng" algn="ctr">
+                      <a:solidFill>
+                        <a:srgbClr val="BFC1F0"/>
+                      </a:solidFill>
+                      <a:prstDash val="solid"/>
+                      <a:round/>
+                      <a:headEnd type="none" w="sm" len="sm"/>
+                      <a:tailEnd type="none" w="sm" len="sm"/>
+                    </a:lnB>
+                  </a:tcPr>
+                </a:tc>
+                <a:tc>
+                  <a:txBody>
+                    <a:bodyPr/>
+                    <a:lstStyle/>
+                    <a:p>
+                      <a:pPr marL="0" lvl="0" indent="0" algn="l" rtl="0">
+                        <a:lnSpc>
+                          <a:spcPct val="115000"/>
+                        </a:lnSpc>
+                        <a:spcBef>
+                          <a:spcPts val="0"/>
+                        </a:spcBef>
+                        <a:spcAft>
+                          <a:spcPts val="0"/>
+                        </a:spcAft>
+                        <a:buNone/>
+                      </a:pPr>
+                      <a:r>
+                        <a:rPr lang="ru-RU" sz="1300" dirty="0">
+                          <a:latin typeface="Roboto"/>
+                          <a:ea typeface="Roboto"/>
+                          <a:cs typeface="Roboto"/>
+                          <a:sym typeface="Roboto"/>
+                        </a:rPr>
+                        <a:t>Одиночка</a:t>
+                      </a:r>
+                      <a:endParaRPr sz="1300" dirty="0">
+                        <a:latin typeface="Roboto"/>
+                        <a:ea typeface="Roboto"/>
+                        <a:cs typeface="Roboto"/>
+                        <a:sym typeface="Roboto"/>
+                      </a:endParaRPr>
+                    </a:p>
+                  </a:txBody>
+                  <a:tcPr marL="198000" marR="91425" marT="68575" marB="68575">
+                    <a:lnL w="9525" cap="flat" cmpd="sng" algn="ctr">
+                      <a:solidFill>
+                        <a:schemeClr val="lt1">
+                          <a:alpha val="0"/>
+                        </a:schemeClr>
+                      </a:solidFill>
+                      <a:prstDash val="solid"/>
+                      <a:round/>
+                      <a:headEnd type="none" w="sm" len="sm"/>
+                      <a:tailEnd type="none" w="sm" len="sm"/>
+                    </a:lnL>
+                    <a:lnR w="9525" cap="flat" cmpd="sng">
+                      <a:solidFill>
+                        <a:srgbClr val="BFC1F0">
+                          <a:alpha val="0"/>
+                        </a:srgbClr>
+                      </a:solidFill>
+                      <a:prstDash val="solid"/>
+                      <a:round/>
+                      <a:headEnd type="none" w="sm" len="sm"/>
+                      <a:tailEnd type="none" w="sm" len="sm"/>
+                    </a:lnR>
+                    <a:lnT w="9525" cap="flat" cmpd="sng">
+                      <a:solidFill>
+                        <a:srgbClr val="BFC1F0"/>
+                      </a:solidFill>
+                      <a:prstDash val="solid"/>
+                      <a:round/>
+                      <a:headEnd type="none" w="sm" len="sm"/>
+                      <a:tailEnd type="none" w="sm" len="sm"/>
+                    </a:lnT>
+                    <a:lnB w="9525" cap="flat" cmpd="sng" algn="ctr">
+                      <a:solidFill>
+                        <a:srgbClr val="BFC1F0"/>
+                      </a:solidFill>
+                      <a:prstDash val="solid"/>
+                      <a:round/>
+                      <a:headEnd type="none" w="sm" len="sm"/>
+                      <a:tailEnd type="none" w="sm" len="sm"/>
+                    </a:lnB>
+                  </a:tcPr>
+                </a:tc>
+                <a:extLst>
+                  <a:ext uri="{0D108BD9-81ED-4DB2-BD59-A6C34878D82A}">
+                    <a16:rowId xmlns:a16="http://schemas.microsoft.com/office/drawing/2014/main" val="1718522734"/>
+                  </a:ext>
+                </a:extLst>
+              </a:tr>
+              <a:tr h="285750">
+                <a:tc>
+                  <a:txBody>
+                    <a:bodyPr/>
+                    <a:lstStyle/>
+                    <a:p>
+                      <a:pPr marL="0" lvl="0" indent="0" algn="l" rtl="0">
+                        <a:spcBef>
+                          <a:spcPts val="0"/>
+                        </a:spcBef>
+                        <a:spcAft>
+                          <a:spcPts val="0"/>
+                        </a:spcAft>
+                        <a:buNone/>
+                      </a:pPr>
+                      <a:r>
+                        <a:rPr lang="ru-RU" sz="1300" b="1" dirty="0">
+                          <a:solidFill>
+                            <a:srgbClr val="013D85"/>
+                          </a:solidFill>
+                          <a:latin typeface="Roboto"/>
+                          <a:ea typeface="Roboto"/>
+                          <a:cs typeface="Roboto"/>
+                          <a:sym typeface="Roboto"/>
+                        </a:rPr>
+                        <a:t>5. </a:t>
+                      </a:r>
+                      <a:endParaRPr sz="1300" b="1" dirty="0">
+                        <a:solidFill>
+                          <a:srgbClr val="013D85"/>
+                        </a:solidFill>
+                        <a:latin typeface="Roboto"/>
+                        <a:ea typeface="Roboto"/>
+                        <a:cs typeface="Roboto"/>
+                        <a:sym typeface="Roboto"/>
+                      </a:endParaRPr>
+                    </a:p>
+                  </a:txBody>
+                  <a:tcPr marL="198000" marR="91425" marT="68575" marB="68575">
+                    <a:lnL w="9525" cap="flat" cmpd="sng">
+                      <a:solidFill>
+                        <a:srgbClr val="BFC1F0">
+                          <a:alpha val="0"/>
+                        </a:srgbClr>
+                      </a:solidFill>
+                      <a:prstDash val="solid"/>
+                      <a:round/>
+                      <a:headEnd type="none" w="sm" len="sm"/>
+                      <a:tailEnd type="none" w="sm" len="sm"/>
+                    </a:lnL>
+                    <a:lnR w="9525" cap="flat" cmpd="sng" algn="ctr">
+                      <a:solidFill>
+                        <a:schemeClr val="lt1">
+                          <a:alpha val="0"/>
+                        </a:schemeClr>
+                      </a:solidFill>
+                      <a:prstDash val="solid"/>
+                      <a:round/>
+                      <a:headEnd type="none" w="sm" len="sm"/>
+                      <a:tailEnd type="none" w="sm" len="sm"/>
+                    </a:lnR>
+                    <a:lnT w="9525" cap="flat" cmpd="sng">
+                      <a:solidFill>
+                        <a:srgbClr val="BFC1F0"/>
+                      </a:solidFill>
+                      <a:prstDash val="solid"/>
+                      <a:round/>
+                      <a:headEnd type="none" w="sm" len="sm"/>
+                      <a:tailEnd type="none" w="sm" len="sm"/>
+                    </a:lnT>
+                    <a:lnB w="9525" cap="flat" cmpd="sng">
+                      <a:solidFill>
+                        <a:srgbClr val="BFC1F0"/>
+                      </a:solidFill>
+                      <a:prstDash val="solid"/>
+                      <a:round/>
+                      <a:headEnd type="none" w="sm" len="sm"/>
+                      <a:tailEnd type="none" w="sm" len="sm"/>
+                    </a:lnB>
+                  </a:tcPr>
+                </a:tc>
+                <a:tc>
+                  <a:txBody>
+                    <a:bodyPr/>
+                    <a:lstStyle/>
+                    <a:p>
+                      <a:pPr marL="0" lvl="0" indent="0" algn="l" rtl="0">
+                        <a:lnSpc>
+                          <a:spcPct val="115000"/>
+                        </a:lnSpc>
+                        <a:spcBef>
+                          <a:spcPts val="0"/>
+                        </a:spcBef>
+                        <a:spcAft>
+                          <a:spcPts val="0"/>
+                        </a:spcAft>
+                        <a:buNone/>
+                      </a:pPr>
+                      <a:r>
+                        <a:rPr lang="ru-RU" sz="1300" dirty="0">
+                          <a:latin typeface="Roboto"/>
+                          <a:ea typeface="Roboto"/>
+                          <a:cs typeface="Roboto"/>
+                          <a:sym typeface="Roboto"/>
+                        </a:rPr>
+                        <a:t>Брокер сообщений</a:t>
+                      </a:r>
+                      <a:endParaRPr sz="1300" dirty="0">
+                        <a:latin typeface="Roboto"/>
+                        <a:ea typeface="Roboto"/>
+                        <a:cs typeface="Roboto"/>
+                        <a:sym typeface="Roboto"/>
+                      </a:endParaRPr>
+                    </a:p>
+                  </a:txBody>
+                  <a:tcPr marL="198000" marR="91425" marT="68575" marB="68575">
+                    <a:lnL w="9525" cap="flat" cmpd="sng" algn="ctr">
+                      <a:solidFill>
+                        <a:schemeClr val="lt1">
+                          <a:alpha val="0"/>
+                        </a:schemeClr>
+                      </a:solidFill>
+                      <a:prstDash val="solid"/>
+                      <a:round/>
+                      <a:headEnd type="none" w="sm" len="sm"/>
+                      <a:tailEnd type="none" w="sm" len="sm"/>
+                    </a:lnL>
+                    <a:lnR w="9525" cap="flat" cmpd="sng">
+                      <a:solidFill>
+                        <a:srgbClr val="BFC1F0">
+                          <a:alpha val="0"/>
+                        </a:srgbClr>
+                      </a:solidFill>
+                      <a:prstDash val="solid"/>
+                      <a:round/>
+                      <a:headEnd type="none" w="sm" len="sm"/>
+                      <a:tailEnd type="none" w="sm" len="sm"/>
+                    </a:lnR>
+                    <a:lnT w="9525" cap="flat" cmpd="sng">
+                      <a:solidFill>
+                        <a:srgbClr val="BFC1F0"/>
+                      </a:solidFill>
+                      <a:prstDash val="solid"/>
+                      <a:round/>
+                      <a:headEnd type="none" w="sm" len="sm"/>
+                      <a:tailEnd type="none" w="sm" len="sm"/>
+                    </a:lnT>
+                    <a:lnB w="9525" cap="flat" cmpd="sng">
+                      <a:solidFill>
+                        <a:srgbClr val="BFC1F0"/>
+                      </a:solidFill>
+                      <a:prstDash val="solid"/>
+                      <a:round/>
+                      <a:headEnd type="none" w="sm" len="sm"/>
+                      <a:tailEnd type="none" w="sm" len="sm"/>
+                    </a:lnB>
+                  </a:tcPr>
+                </a:tc>
+                <a:extLst>
+                  <a:ext uri="{0D108BD9-81ED-4DB2-BD59-A6C34878D82A}">
+                    <a16:rowId xmlns:a16="http://schemas.microsoft.com/office/drawing/2014/main" val="1275155213"/>
+                  </a:ext>
+                </a:extLst>
+              </a:tr>
+            </a:tbl>
+          </a:graphicData>
+        </a:graphic>
+      </p:graphicFrame>
+    </p:spTree>
+    <p:extLst>
+      <p:ext uri="{BB962C8B-B14F-4D97-AF65-F5344CB8AC3E}">
+        <p14:creationId xmlns:p14="http://schemas.microsoft.com/office/powerpoint/2010/main" val="3472892632"/>
+      </p:ext>
+    </p:extLst>
   </p:cSld>
   <p:clrMapOvr>
     <a:masterClrMapping/>
